--- a/DataBallPresentation.pptx
+++ b/DataBallPresentation.pptx
@@ -5,7 +5,7 @@
     <p:sldMasterId id="2147483686" r:id="rId1"/>
   </p:sldMasterIdLst>
   <p:notesMasterIdLst>
-    <p:notesMasterId r:id="rId27"/>
+    <p:notesMasterId r:id="rId28"/>
   </p:notesMasterIdLst>
   <p:sldIdLst>
     <p:sldId id="256" r:id="rId2"/>
@@ -13,26 +13,27 @@
     <p:sldId id="258" r:id="rId4"/>
     <p:sldId id="259" r:id="rId5"/>
     <p:sldId id="260" r:id="rId6"/>
-    <p:sldId id="280" r:id="rId7"/>
-    <p:sldId id="261" r:id="rId8"/>
-    <p:sldId id="262" r:id="rId9"/>
-    <p:sldId id="263" r:id="rId10"/>
-    <p:sldId id="264" r:id="rId11"/>
-    <p:sldId id="265" r:id="rId12"/>
-    <p:sldId id="266" r:id="rId13"/>
-    <p:sldId id="268" r:id="rId14"/>
-    <p:sldId id="267" r:id="rId15"/>
-    <p:sldId id="269" r:id="rId16"/>
-    <p:sldId id="279" r:id="rId17"/>
-    <p:sldId id="278" r:id="rId18"/>
-    <p:sldId id="270" r:id="rId19"/>
-    <p:sldId id="271" r:id="rId20"/>
-    <p:sldId id="272" r:id="rId21"/>
-    <p:sldId id="273" r:id="rId22"/>
-    <p:sldId id="274" r:id="rId23"/>
-    <p:sldId id="275" r:id="rId24"/>
-    <p:sldId id="276" r:id="rId25"/>
-    <p:sldId id="277" r:id="rId26"/>
+    <p:sldId id="281" r:id="rId7"/>
+    <p:sldId id="280" r:id="rId8"/>
+    <p:sldId id="261" r:id="rId9"/>
+    <p:sldId id="262" r:id="rId10"/>
+    <p:sldId id="263" r:id="rId11"/>
+    <p:sldId id="264" r:id="rId12"/>
+    <p:sldId id="265" r:id="rId13"/>
+    <p:sldId id="266" r:id="rId14"/>
+    <p:sldId id="268" r:id="rId15"/>
+    <p:sldId id="267" r:id="rId16"/>
+    <p:sldId id="269" r:id="rId17"/>
+    <p:sldId id="279" r:id="rId18"/>
+    <p:sldId id="278" r:id="rId19"/>
+    <p:sldId id="270" r:id="rId20"/>
+    <p:sldId id="271" r:id="rId21"/>
+    <p:sldId id="272" r:id="rId22"/>
+    <p:sldId id="273" r:id="rId23"/>
+    <p:sldId id="274" r:id="rId24"/>
+    <p:sldId id="275" r:id="rId25"/>
+    <p:sldId id="276" r:id="rId26"/>
+    <p:sldId id="277" r:id="rId27"/>
   </p:sldIdLst>
   <p:sldSz cx="12192000" cy="6858000"/>
   <p:notesSz cx="6858000" cy="9144000"/>
@@ -556,7 +557,7 @@
           <a:p>
             <a:fld id="{A3C574C3-3E52-411C-8F85-94FD84645FD0}" type="slidenum">
               <a:rPr lang="en-US" smtClean="0"/>
-              <a:t>8</a:t>
+              <a:t>9</a:t>
             </a:fld>
             <a:endParaRPr lang="en-US"/>
           </a:p>
@@ -643,7 +644,7 @@
           <a:p>
             <a:fld id="{A3C574C3-3E52-411C-8F85-94FD84645FD0}" type="slidenum">
               <a:rPr lang="en-US" smtClean="0"/>
-              <a:t>11</a:t>
+              <a:t>12</a:t>
             </a:fld>
             <a:endParaRPr lang="en-US"/>
           </a:p>
@@ -730,7 +731,7 @@
           <a:p>
             <a:fld id="{A3C574C3-3E52-411C-8F85-94FD84645FD0}" type="slidenum">
               <a:rPr lang="en-US" smtClean="0"/>
-              <a:t>12</a:t>
+              <a:t>13</a:t>
             </a:fld>
             <a:endParaRPr lang="en-US"/>
           </a:p>
@@ -814,7 +815,7 @@
           <a:p>
             <a:fld id="{A3C574C3-3E52-411C-8F85-94FD84645FD0}" type="slidenum">
               <a:rPr lang="en-US" smtClean="0"/>
-              <a:t>13</a:t>
+              <a:t>14</a:t>
             </a:fld>
             <a:endParaRPr lang="en-US"/>
           </a:p>
@@ -902,7 +903,7 @@
           <a:p>
             <a:fld id="{A3C574C3-3E52-411C-8F85-94FD84645FD0}" type="slidenum">
               <a:rPr lang="en-US" smtClean="0"/>
-              <a:t>14</a:t>
+              <a:t>15</a:t>
             </a:fld>
             <a:endParaRPr lang="en-US"/>
           </a:p>
@@ -999,7 +1000,7 @@
           <a:p>
             <a:fld id="{A3C574C3-3E52-411C-8F85-94FD84645FD0}" type="slidenum">
               <a:rPr lang="en-US" smtClean="0"/>
-              <a:t>16</a:t>
+              <a:t>17</a:t>
             </a:fld>
             <a:endParaRPr lang="en-US"/>
           </a:p>
@@ -1086,7 +1087,7 @@
           <a:p>
             <a:fld id="{A3C574C3-3E52-411C-8F85-94FD84645FD0}" type="slidenum">
               <a:rPr lang="en-US" smtClean="0"/>
-              <a:t>24</a:t>
+              <a:t>25</a:t>
             </a:fld>
             <a:endParaRPr lang="en-US"/>
           </a:p>
@@ -4839,6 +4840,104 @@
 <file path=ppt/slides/slide10.xml><?xml version="1.0" encoding="utf-8"?>
 <p:sld xmlns:a="http://schemas.openxmlformats.org/drawingml/2006/main" xmlns:r="http://schemas.openxmlformats.org/officeDocument/2006/relationships" xmlns:p="http://schemas.openxmlformats.org/presentationml/2006/main">
   <p:cSld>
+    <p:bg>
+      <p:bgPr>
+        <a:solidFill>
+          <a:schemeClr val="bg1"/>
+        </a:solidFill>
+        <a:effectLst/>
+      </p:bgPr>
+    </p:bg>
+    <p:spTree>
+      <p:nvGrpSpPr>
+        <p:cNvPr id="1" name=""/>
+        <p:cNvGrpSpPr/>
+        <p:nvPr/>
+      </p:nvGrpSpPr>
+      <p:grpSpPr>
+        <a:xfrm>
+          <a:off x="0" y="0"/>
+          <a:ext cx="0" cy="0"/>
+          <a:chOff x="0" y="0"/>
+          <a:chExt cx="0" cy="0"/>
+        </a:xfrm>
+      </p:grpSpPr>
+      <p:pic>
+        <p:nvPicPr>
+          <p:cNvPr id="7" name="Picture 6">
+            <a:extLst>
+              <a:ext uri="{FF2B5EF4-FFF2-40B4-BE49-F238E27FC236}">
+                <a16:creationId xmlns:a16="http://schemas.microsoft.com/office/drawing/2014/main" id="{69AC98D8-85EF-C6CB-4BA4-18B85F868093}"/>
+              </a:ext>
+            </a:extLst>
+          </p:cNvPr>
+          <p:cNvPicPr>
+            <a:picLocks noChangeAspect="1"/>
+          </p:cNvPicPr>
+          <p:nvPr/>
+        </p:nvPicPr>
+        <p:blipFill>
+          <a:blip r:embed="rId2"/>
+          <a:stretch>
+            <a:fillRect/>
+          </a:stretch>
+        </p:blipFill>
+        <p:spPr>
+          <a:xfrm>
+            <a:off x="6753918" y="841807"/>
+            <a:ext cx="4480140" cy="5875596"/>
+          </a:xfrm>
+          <a:prstGeom prst="rect">
+            <a:avLst/>
+          </a:prstGeom>
+        </p:spPr>
+      </p:pic>
+      <p:pic>
+        <p:nvPicPr>
+          <p:cNvPr id="5" name="Picture 4">
+            <a:extLst>
+              <a:ext uri="{FF2B5EF4-FFF2-40B4-BE49-F238E27FC236}">
+                <a16:creationId xmlns:a16="http://schemas.microsoft.com/office/drawing/2014/main" id="{3136FC8C-3E7B-C343-8784-2598B75004C6}"/>
+              </a:ext>
+            </a:extLst>
+          </p:cNvPr>
+          <p:cNvPicPr>
+            <a:picLocks noChangeAspect="1"/>
+          </p:cNvPicPr>
+          <p:nvPr/>
+        </p:nvPicPr>
+        <p:blipFill>
+          <a:blip r:embed="rId3"/>
+          <a:stretch>
+            <a:fillRect/>
+          </a:stretch>
+        </p:blipFill>
+        <p:spPr>
+          <a:xfrm>
+            <a:off x="1296091" y="841807"/>
+            <a:ext cx="4799909" cy="5871448"/>
+          </a:xfrm>
+          <a:prstGeom prst="rect">
+            <a:avLst/>
+          </a:prstGeom>
+        </p:spPr>
+      </p:pic>
+    </p:spTree>
+    <p:extLst>
+      <p:ext uri="{BB962C8B-B14F-4D97-AF65-F5344CB8AC3E}">
+        <p14:creationId xmlns:p14="http://schemas.microsoft.com/office/powerpoint/2010/main" val="1371610303"/>
+      </p:ext>
+    </p:extLst>
+  </p:cSld>
+  <p:clrMapOvr>
+    <a:masterClrMapping/>
+  </p:clrMapOvr>
+</p:sld>
+</file>
+
+<file path=ppt/slides/slide11.xml><?xml version="1.0" encoding="utf-8"?>
+<p:sld xmlns:a="http://schemas.openxmlformats.org/drawingml/2006/main" xmlns:r="http://schemas.openxmlformats.org/officeDocument/2006/relationships" xmlns:p="http://schemas.openxmlformats.org/presentationml/2006/main">
+  <p:cSld>
     <p:spTree>
       <p:nvGrpSpPr>
         <p:cNvPr id="1" name=""/>
@@ -5706,7 +5805,7 @@
 </p:sld>
 </file>
 
-<file path=ppt/slides/slide11.xml><?xml version="1.0" encoding="utf-8"?>
+<file path=ppt/slides/slide12.xml><?xml version="1.0" encoding="utf-8"?>
 <p:sld xmlns:a="http://schemas.openxmlformats.org/drawingml/2006/main" xmlns:r="http://schemas.openxmlformats.org/officeDocument/2006/relationships" xmlns:p="http://schemas.openxmlformats.org/presentationml/2006/main">
   <p:cSld>
     <p:spTree>
@@ -6048,7 +6147,7 @@
 </p:sld>
 </file>
 
-<file path=ppt/slides/slide12.xml><?xml version="1.0" encoding="utf-8"?>
+<file path=ppt/slides/slide13.xml><?xml version="1.0" encoding="utf-8"?>
 <p:sld xmlns:a="http://schemas.openxmlformats.org/drawingml/2006/main" xmlns:r="http://schemas.openxmlformats.org/officeDocument/2006/relationships" xmlns:p="http://schemas.openxmlformats.org/presentationml/2006/main">
   <p:cSld>
     <p:spTree>
@@ -6528,7 +6627,7 @@
 </p:sld>
 </file>
 
-<file path=ppt/slides/slide13.xml><?xml version="1.0" encoding="utf-8"?>
+<file path=ppt/slides/slide14.xml><?xml version="1.0" encoding="utf-8"?>
 <p:sld xmlns:a="http://schemas.openxmlformats.org/drawingml/2006/main" xmlns:r="http://schemas.openxmlformats.org/officeDocument/2006/relationships" xmlns:p="http://schemas.openxmlformats.org/presentationml/2006/main">
   <p:cSld>
     <p:spTree>
@@ -6837,7 +6936,7 @@
 </p:sld>
 </file>
 
-<file path=ppt/slides/slide14.xml><?xml version="1.0" encoding="utf-8"?>
+<file path=ppt/slides/slide15.xml><?xml version="1.0" encoding="utf-8"?>
 <p:sld xmlns:a="http://schemas.openxmlformats.org/drawingml/2006/main" xmlns:r="http://schemas.openxmlformats.org/officeDocument/2006/relationships" xmlns:p="http://schemas.openxmlformats.org/presentationml/2006/main">
   <p:cSld>
     <p:spTree>
@@ -7251,172 +7350,6 @@
 </p:sld>
 </file>
 
-<file path=ppt/slides/slide15.xml><?xml version="1.0" encoding="utf-8"?>
-<p:sld xmlns:a="http://schemas.openxmlformats.org/drawingml/2006/main" xmlns:r="http://schemas.openxmlformats.org/officeDocument/2006/relationships" xmlns:p="http://schemas.openxmlformats.org/presentationml/2006/main">
-  <p:cSld>
-    <p:spTree>
-      <p:nvGrpSpPr>
-        <p:cNvPr id="1" name=""/>
-        <p:cNvGrpSpPr/>
-        <p:nvPr/>
-      </p:nvGrpSpPr>
-      <p:grpSpPr>
-        <a:xfrm>
-          <a:off x="0" y="0"/>
-          <a:ext cx="0" cy="0"/>
-          <a:chOff x="0" y="0"/>
-          <a:chExt cx="0" cy="0"/>
-        </a:xfrm>
-      </p:grpSpPr>
-      <p:sp>
-        <p:nvSpPr>
-          <p:cNvPr id="2" name="Title 1">
-            <a:extLst>
-              <a:ext uri="{FF2B5EF4-FFF2-40B4-BE49-F238E27FC236}">
-                <a16:creationId xmlns:a16="http://schemas.microsoft.com/office/drawing/2014/main" id="{BC4AF492-8C2C-5BAA-77A9-747851401404}"/>
-              </a:ext>
-            </a:extLst>
-          </p:cNvPr>
-          <p:cNvSpPr>
-            <a:spLocks noGrp="1"/>
-          </p:cNvSpPr>
-          <p:nvPr>
-            <p:ph type="title"/>
-          </p:nvPr>
-        </p:nvSpPr>
-        <p:spPr/>
-        <p:txBody>
-          <a:bodyPr>
-            <a:normAutofit/>
-          </a:bodyPr>
-          <a:lstStyle/>
-          <a:p>
-            <a:r>
-              <a:rPr lang="en-US" sz="2800"/>
-              <a:t>Procedures-continued</a:t>
-            </a:r>
-          </a:p>
-        </p:txBody>
-      </p:sp>
-      <p:pic>
-        <p:nvPicPr>
-          <p:cNvPr id="5" name="Content Placeholder 4">
-            <a:extLst>
-              <a:ext uri="{FF2B5EF4-FFF2-40B4-BE49-F238E27FC236}">
-                <a16:creationId xmlns:a16="http://schemas.microsoft.com/office/drawing/2014/main" id="{A46B0A13-A3F5-9B6B-C0DC-14500E0E2AE8}"/>
-              </a:ext>
-            </a:extLst>
-          </p:cNvPr>
-          <p:cNvPicPr>
-            <a:picLocks noGrp="1" noChangeAspect="1"/>
-          </p:cNvPicPr>
-          <p:nvPr>
-            <p:ph idx="1"/>
-          </p:nvPr>
-        </p:nvPicPr>
-        <p:blipFill>
-          <a:blip r:embed="rId2"/>
-          <a:stretch>
-            <a:fillRect/>
-          </a:stretch>
-        </p:blipFill>
-        <p:spPr>
-          <a:xfrm>
-            <a:off x="5766318" y="802433"/>
-            <a:ext cx="6032827" cy="5463403"/>
-          </a:xfrm>
-        </p:spPr>
-      </p:pic>
-      <p:sp>
-        <p:nvSpPr>
-          <p:cNvPr id="6" name="TextBox 5">
-            <a:extLst>
-              <a:ext uri="{FF2B5EF4-FFF2-40B4-BE49-F238E27FC236}">
-                <a16:creationId xmlns:a16="http://schemas.microsoft.com/office/drawing/2014/main" id="{48AEA8B9-90AD-C068-14F3-EF20476F1B12}"/>
-              </a:ext>
-            </a:extLst>
-          </p:cNvPr>
-          <p:cNvSpPr txBox="1"/>
-          <p:nvPr/>
-        </p:nvSpPr>
-        <p:spPr>
-          <a:xfrm>
-            <a:off x="960120" y="1892808"/>
-            <a:ext cx="4709160" cy="3693319"/>
-          </a:xfrm>
-          <a:prstGeom prst="rect">
-            <a:avLst/>
-          </a:prstGeom>
-          <a:noFill/>
-        </p:spPr>
-        <p:txBody>
-          <a:bodyPr wrap="square" rtlCol="0">
-            <a:spAutoFit/>
-          </a:bodyPr>
-          <a:lstStyle/>
-          <a:p>
-            <a:pPr algn="just"/>
-            <a:r>
-              <a:rPr lang="en-US" b="1"/>
-              <a:t>Purpose: </a:t>
-            </a:r>
-            <a:r>
-              <a:rPr lang="en-US"/>
-              <a:t>Adjusts the capacity of a specified facility to a new higher value, ensuring the facility can accommodate more occupants or resources.</a:t>
-            </a:r>
-          </a:p>
-          <a:p>
-            <a:pPr algn="just"/>
-            <a:r>
-              <a:rPr lang="en-US" b="1"/>
-              <a:t>Functionality:</a:t>
-            </a:r>
-          </a:p>
-          <a:p>
-            <a:pPr algn="just"/>
-            <a:r>
-              <a:rPr lang="en-US">
-                <a:solidFill>
-                  <a:schemeClr val="accent5"/>
-                </a:solidFill>
-              </a:rPr>
-              <a:t>Capacity Check: </a:t>
-            </a:r>
-            <a:r>
-              <a:rPr lang="en-US"/>
-              <a:t>Retrieves the current capacity of the facility and checks if the proposed increased amount is greater than the existing capacity.</a:t>
-            </a:r>
-          </a:p>
-          <a:p>
-            <a:pPr algn="just"/>
-            <a:r>
-              <a:rPr lang="en-US">
-                <a:solidFill>
-                  <a:schemeClr val="accent5"/>
-                </a:solidFill>
-              </a:rPr>
-              <a:t>Capacity Update: </a:t>
-            </a:r>
-            <a:r>
-              <a:rPr lang="en-US"/>
-              <a:t>If the new capacity is greater, updates the facility's capacity in the Facilities table to the new specified amount.</a:t>
-            </a:r>
-          </a:p>
-        </p:txBody>
-      </p:sp>
-    </p:spTree>
-    <p:extLst>
-      <p:ext uri="{BB962C8B-B14F-4D97-AF65-F5344CB8AC3E}">
-        <p14:creationId xmlns:p14="http://schemas.microsoft.com/office/powerpoint/2010/main" val="2359373635"/>
-      </p:ext>
-    </p:extLst>
-  </p:cSld>
-  <p:clrMapOvr>
-    <a:masterClrMapping/>
-  </p:clrMapOvr>
-</p:sld>
-</file>
-
 <file path=ppt/slides/slide16.xml><?xml version="1.0" encoding="utf-8"?>
 <p:sld xmlns:a="http://schemas.openxmlformats.org/drawingml/2006/main" xmlns:r="http://schemas.openxmlformats.org/officeDocument/2006/relationships" xmlns:p="http://schemas.openxmlformats.org/presentationml/2006/main">
   <p:cSld>
@@ -7439,6 +7372,172 @@
           <p:cNvPr id="2" name="Title 1">
             <a:extLst>
               <a:ext uri="{FF2B5EF4-FFF2-40B4-BE49-F238E27FC236}">
+                <a16:creationId xmlns:a16="http://schemas.microsoft.com/office/drawing/2014/main" id="{BC4AF492-8C2C-5BAA-77A9-747851401404}"/>
+              </a:ext>
+            </a:extLst>
+          </p:cNvPr>
+          <p:cNvSpPr>
+            <a:spLocks noGrp="1"/>
+          </p:cNvSpPr>
+          <p:nvPr>
+            <p:ph type="title"/>
+          </p:nvPr>
+        </p:nvSpPr>
+        <p:spPr/>
+        <p:txBody>
+          <a:bodyPr>
+            <a:normAutofit/>
+          </a:bodyPr>
+          <a:lstStyle/>
+          <a:p>
+            <a:r>
+              <a:rPr lang="en-US" sz="2800"/>
+              <a:t>Procedures-continued</a:t>
+            </a:r>
+          </a:p>
+        </p:txBody>
+      </p:sp>
+      <p:pic>
+        <p:nvPicPr>
+          <p:cNvPr id="5" name="Content Placeholder 4">
+            <a:extLst>
+              <a:ext uri="{FF2B5EF4-FFF2-40B4-BE49-F238E27FC236}">
+                <a16:creationId xmlns:a16="http://schemas.microsoft.com/office/drawing/2014/main" id="{A46B0A13-A3F5-9B6B-C0DC-14500E0E2AE8}"/>
+              </a:ext>
+            </a:extLst>
+          </p:cNvPr>
+          <p:cNvPicPr>
+            <a:picLocks noGrp="1" noChangeAspect="1"/>
+          </p:cNvPicPr>
+          <p:nvPr>
+            <p:ph idx="1"/>
+          </p:nvPr>
+        </p:nvPicPr>
+        <p:blipFill>
+          <a:blip r:embed="rId2"/>
+          <a:stretch>
+            <a:fillRect/>
+          </a:stretch>
+        </p:blipFill>
+        <p:spPr>
+          <a:xfrm>
+            <a:off x="5766318" y="802433"/>
+            <a:ext cx="6032827" cy="5463403"/>
+          </a:xfrm>
+        </p:spPr>
+      </p:pic>
+      <p:sp>
+        <p:nvSpPr>
+          <p:cNvPr id="6" name="TextBox 5">
+            <a:extLst>
+              <a:ext uri="{FF2B5EF4-FFF2-40B4-BE49-F238E27FC236}">
+                <a16:creationId xmlns:a16="http://schemas.microsoft.com/office/drawing/2014/main" id="{48AEA8B9-90AD-C068-14F3-EF20476F1B12}"/>
+              </a:ext>
+            </a:extLst>
+          </p:cNvPr>
+          <p:cNvSpPr txBox="1"/>
+          <p:nvPr/>
+        </p:nvSpPr>
+        <p:spPr>
+          <a:xfrm>
+            <a:off x="960120" y="1892808"/>
+            <a:ext cx="4709160" cy="3693319"/>
+          </a:xfrm>
+          <a:prstGeom prst="rect">
+            <a:avLst/>
+          </a:prstGeom>
+          <a:noFill/>
+        </p:spPr>
+        <p:txBody>
+          <a:bodyPr wrap="square" rtlCol="0">
+            <a:spAutoFit/>
+          </a:bodyPr>
+          <a:lstStyle/>
+          <a:p>
+            <a:pPr algn="just"/>
+            <a:r>
+              <a:rPr lang="en-US" b="1"/>
+              <a:t>Purpose: </a:t>
+            </a:r>
+            <a:r>
+              <a:rPr lang="en-US"/>
+              <a:t>Adjusts the capacity of a specified facility to a new higher value, ensuring the facility can accommodate more occupants or resources.</a:t>
+            </a:r>
+          </a:p>
+          <a:p>
+            <a:pPr algn="just"/>
+            <a:r>
+              <a:rPr lang="en-US" b="1"/>
+              <a:t>Functionality:</a:t>
+            </a:r>
+          </a:p>
+          <a:p>
+            <a:pPr algn="just"/>
+            <a:r>
+              <a:rPr lang="en-US">
+                <a:solidFill>
+                  <a:schemeClr val="accent5"/>
+                </a:solidFill>
+              </a:rPr>
+              <a:t>Capacity Check: </a:t>
+            </a:r>
+            <a:r>
+              <a:rPr lang="en-US"/>
+              <a:t>Retrieves the current capacity of the facility and checks if the proposed increased amount is greater than the existing capacity.</a:t>
+            </a:r>
+          </a:p>
+          <a:p>
+            <a:pPr algn="just"/>
+            <a:r>
+              <a:rPr lang="en-US">
+                <a:solidFill>
+                  <a:schemeClr val="accent5"/>
+                </a:solidFill>
+              </a:rPr>
+              <a:t>Capacity Update: </a:t>
+            </a:r>
+            <a:r>
+              <a:rPr lang="en-US"/>
+              <a:t>If the new capacity is greater, updates the facility's capacity in the Facilities table to the new specified amount.</a:t>
+            </a:r>
+          </a:p>
+        </p:txBody>
+      </p:sp>
+    </p:spTree>
+    <p:extLst>
+      <p:ext uri="{BB962C8B-B14F-4D97-AF65-F5344CB8AC3E}">
+        <p14:creationId xmlns:p14="http://schemas.microsoft.com/office/powerpoint/2010/main" val="2359373635"/>
+      </p:ext>
+    </p:extLst>
+  </p:cSld>
+  <p:clrMapOvr>
+    <a:masterClrMapping/>
+  </p:clrMapOvr>
+</p:sld>
+</file>
+
+<file path=ppt/slides/slide17.xml><?xml version="1.0" encoding="utf-8"?>
+<p:sld xmlns:a="http://schemas.openxmlformats.org/drawingml/2006/main" xmlns:r="http://schemas.openxmlformats.org/officeDocument/2006/relationships" xmlns:p="http://schemas.openxmlformats.org/presentationml/2006/main">
+  <p:cSld>
+    <p:spTree>
+      <p:nvGrpSpPr>
+        <p:cNvPr id="1" name=""/>
+        <p:cNvGrpSpPr/>
+        <p:nvPr/>
+      </p:nvGrpSpPr>
+      <p:grpSpPr>
+        <a:xfrm>
+          <a:off x="0" y="0"/>
+          <a:ext cx="0" cy="0"/>
+          <a:chOff x="0" y="0"/>
+          <a:chExt cx="0" cy="0"/>
+        </a:xfrm>
+      </p:grpSpPr>
+      <p:sp>
+        <p:nvSpPr>
+          <p:cNvPr id="2" name="Title 1">
+            <a:extLst>
+              <a:ext uri="{FF2B5EF4-FFF2-40B4-BE49-F238E27FC236}">
                 <a16:creationId xmlns:a16="http://schemas.microsoft.com/office/drawing/2014/main" id="{67391812-D8C9-5E9B-8FE2-BAA0E9E3920E}"/>
               </a:ext>
             </a:extLst>
@@ -7574,7 +7673,7 @@
 </p:sld>
 </file>
 
-<file path=ppt/slides/slide17.xml><?xml version="1.0" encoding="utf-8"?>
+<file path=ppt/slides/slide18.xml><?xml version="1.0" encoding="utf-8"?>
 <p:sld xmlns:a="http://schemas.openxmlformats.org/drawingml/2006/main" xmlns:r="http://schemas.openxmlformats.org/officeDocument/2006/relationships" xmlns:p="http://schemas.openxmlformats.org/presentationml/2006/main">
   <p:cSld>
     <p:spTree>
@@ -7696,7 +7795,7 @@
 </p:sld>
 </file>
 
-<file path=ppt/slides/slide18.xml><?xml version="1.0" encoding="utf-8"?>
+<file path=ppt/slides/slide19.xml><?xml version="1.0" encoding="utf-8"?>
 <p:sld xmlns:a="http://schemas.openxmlformats.org/drawingml/2006/main" xmlns:r="http://schemas.openxmlformats.org/officeDocument/2006/relationships" xmlns:p="http://schemas.openxmlformats.org/presentationml/2006/main">
   <p:cSld>
     <p:spTree>
@@ -7789,7 +7888,112 @@
 </p:sld>
 </file>
 
-<file path=ppt/slides/slide19.xml><?xml version="1.0" encoding="utf-8"?>
+<file path=ppt/slides/slide2.xml><?xml version="1.0" encoding="utf-8"?>
+<p:sld xmlns:a="http://schemas.openxmlformats.org/drawingml/2006/main" xmlns:r="http://schemas.openxmlformats.org/officeDocument/2006/relationships" xmlns:p="http://schemas.openxmlformats.org/presentationml/2006/main">
+  <p:cSld>
+    <p:spTree>
+      <p:nvGrpSpPr>
+        <p:cNvPr id="1" name=""/>
+        <p:cNvGrpSpPr/>
+        <p:nvPr/>
+      </p:nvGrpSpPr>
+      <p:grpSpPr>
+        <a:xfrm>
+          <a:off x="0" y="0"/>
+          <a:ext cx="0" cy="0"/>
+          <a:chOff x="0" y="0"/>
+          <a:chExt cx="0" cy="0"/>
+        </a:xfrm>
+      </p:grpSpPr>
+      <p:sp>
+        <p:nvSpPr>
+          <p:cNvPr id="2" name="Title 1">
+            <a:extLst>
+              <a:ext uri="{FF2B5EF4-FFF2-40B4-BE49-F238E27FC236}">
+                <a16:creationId xmlns:a16="http://schemas.microsoft.com/office/drawing/2014/main" id="{42F70320-AFBA-AB87-2992-025E6BE9B498}"/>
+              </a:ext>
+            </a:extLst>
+          </p:cNvPr>
+          <p:cNvSpPr>
+            <a:spLocks noGrp="1"/>
+          </p:cNvSpPr>
+          <p:nvPr>
+            <p:ph type="title"/>
+          </p:nvPr>
+        </p:nvSpPr>
+        <p:spPr/>
+        <p:txBody>
+          <a:bodyPr/>
+          <a:lstStyle/>
+          <a:p>
+            <a:r>
+              <a:rPr lang="en-US"/>
+              <a:t>Overview</a:t>
+            </a:r>
+          </a:p>
+        </p:txBody>
+      </p:sp>
+      <p:sp>
+        <p:nvSpPr>
+          <p:cNvPr id="3" name="Content Placeholder 2">
+            <a:extLst>
+              <a:ext uri="{FF2B5EF4-FFF2-40B4-BE49-F238E27FC236}">
+                <a16:creationId xmlns:a16="http://schemas.microsoft.com/office/drawing/2014/main" id="{1C393FFE-31FF-6328-E7D4-D8F9CA755154}"/>
+              </a:ext>
+            </a:extLst>
+          </p:cNvPr>
+          <p:cNvSpPr>
+            <a:spLocks noGrp="1"/>
+          </p:cNvSpPr>
+          <p:nvPr>
+            <p:ph idx="1"/>
+          </p:nvPr>
+        </p:nvSpPr>
+        <p:spPr/>
+        <p:txBody>
+          <a:bodyPr/>
+          <a:lstStyle/>
+          <a:p>
+            <a:pPr marL="0" indent="0" algn="just">
+              <a:buNone/>
+            </a:pPr>
+            <a:r>
+              <a:rPr lang="en-US"/>
+              <a:t>The </a:t>
+            </a:r>
+            <a:r>
+              <a:rPr lang="en-US" b="1"/>
+              <a:t>Basketball Team Management System </a:t>
+            </a:r>
+            <a:r>
+              <a:rPr lang="en-US"/>
+              <a:t>is a comprehensive web-based application designed to streamline the scheduling and management of sports facilities, practice sessions, and game events. Developed using the Python Django framework back ended by </a:t>
+            </a:r>
+            <a:r>
+              <a:rPr lang="en-US" err="1"/>
+              <a:t>OracleSQL</a:t>
+            </a:r>
+            <a:r>
+              <a:rPr lang="en-US"/>
+              <a:t>, this system caters to sports organizations and universities enabling efficient utilization of resources and organized data management.</a:t>
+            </a:r>
+          </a:p>
+        </p:txBody>
+      </p:sp>
+    </p:spTree>
+    <p:extLst>
+      <p:ext uri="{BB962C8B-B14F-4D97-AF65-F5344CB8AC3E}">
+        <p14:creationId xmlns:p14="http://schemas.microsoft.com/office/powerpoint/2010/main" val="1753864530"/>
+      </p:ext>
+    </p:extLst>
+  </p:cSld>
+  <p:clrMapOvr>
+    <a:masterClrMapping/>
+  </p:clrMapOvr>
+</p:sld>
+</file>
+
+<file path=ppt/slides/slide20.xml><?xml version="1.0" encoding="utf-8"?>
 <p:sld xmlns:a="http://schemas.openxmlformats.org/drawingml/2006/main" xmlns:r="http://schemas.openxmlformats.org/officeDocument/2006/relationships" xmlns:p="http://schemas.openxmlformats.org/presentationml/2006/main">
   <p:cSld>
     <p:bg>
@@ -8116,112 +8320,7 @@
 </p:sld>
 </file>
 
-<file path=ppt/slides/slide2.xml><?xml version="1.0" encoding="utf-8"?>
-<p:sld xmlns:a="http://schemas.openxmlformats.org/drawingml/2006/main" xmlns:r="http://schemas.openxmlformats.org/officeDocument/2006/relationships" xmlns:p="http://schemas.openxmlformats.org/presentationml/2006/main">
-  <p:cSld>
-    <p:spTree>
-      <p:nvGrpSpPr>
-        <p:cNvPr id="1" name=""/>
-        <p:cNvGrpSpPr/>
-        <p:nvPr/>
-      </p:nvGrpSpPr>
-      <p:grpSpPr>
-        <a:xfrm>
-          <a:off x="0" y="0"/>
-          <a:ext cx="0" cy="0"/>
-          <a:chOff x="0" y="0"/>
-          <a:chExt cx="0" cy="0"/>
-        </a:xfrm>
-      </p:grpSpPr>
-      <p:sp>
-        <p:nvSpPr>
-          <p:cNvPr id="2" name="Title 1">
-            <a:extLst>
-              <a:ext uri="{FF2B5EF4-FFF2-40B4-BE49-F238E27FC236}">
-                <a16:creationId xmlns:a16="http://schemas.microsoft.com/office/drawing/2014/main" id="{42F70320-AFBA-AB87-2992-025E6BE9B498}"/>
-              </a:ext>
-            </a:extLst>
-          </p:cNvPr>
-          <p:cNvSpPr>
-            <a:spLocks noGrp="1"/>
-          </p:cNvSpPr>
-          <p:nvPr>
-            <p:ph type="title"/>
-          </p:nvPr>
-        </p:nvSpPr>
-        <p:spPr/>
-        <p:txBody>
-          <a:bodyPr/>
-          <a:lstStyle/>
-          <a:p>
-            <a:r>
-              <a:rPr lang="en-US"/>
-              <a:t>Overview</a:t>
-            </a:r>
-          </a:p>
-        </p:txBody>
-      </p:sp>
-      <p:sp>
-        <p:nvSpPr>
-          <p:cNvPr id="3" name="Content Placeholder 2">
-            <a:extLst>
-              <a:ext uri="{FF2B5EF4-FFF2-40B4-BE49-F238E27FC236}">
-                <a16:creationId xmlns:a16="http://schemas.microsoft.com/office/drawing/2014/main" id="{1C393FFE-31FF-6328-E7D4-D8F9CA755154}"/>
-              </a:ext>
-            </a:extLst>
-          </p:cNvPr>
-          <p:cNvSpPr>
-            <a:spLocks noGrp="1"/>
-          </p:cNvSpPr>
-          <p:nvPr>
-            <p:ph idx="1"/>
-          </p:nvPr>
-        </p:nvSpPr>
-        <p:spPr/>
-        <p:txBody>
-          <a:bodyPr/>
-          <a:lstStyle/>
-          <a:p>
-            <a:pPr marL="0" indent="0" algn="just">
-              <a:buNone/>
-            </a:pPr>
-            <a:r>
-              <a:rPr lang="en-US"/>
-              <a:t>The </a:t>
-            </a:r>
-            <a:r>
-              <a:rPr lang="en-US" b="1"/>
-              <a:t>Basketball Team Management System </a:t>
-            </a:r>
-            <a:r>
-              <a:rPr lang="en-US"/>
-              <a:t>is a comprehensive web-based application designed to streamline the scheduling and management of sports facilities, practice sessions, and game events. Developed using the Python Django framework back ended by </a:t>
-            </a:r>
-            <a:r>
-              <a:rPr lang="en-US" err="1"/>
-              <a:t>OracleSQL</a:t>
-            </a:r>
-            <a:r>
-              <a:rPr lang="en-US"/>
-              <a:t>, this system caters to sports organizations and universities enabling efficient utilization of resources and organized data management.</a:t>
-            </a:r>
-          </a:p>
-        </p:txBody>
-      </p:sp>
-    </p:spTree>
-    <p:extLst>
-      <p:ext uri="{BB962C8B-B14F-4D97-AF65-F5344CB8AC3E}">
-        <p14:creationId xmlns:p14="http://schemas.microsoft.com/office/powerpoint/2010/main" val="1753864530"/>
-      </p:ext>
-    </p:extLst>
-  </p:cSld>
-  <p:clrMapOvr>
-    <a:masterClrMapping/>
-  </p:clrMapOvr>
-</p:sld>
-</file>
-
-<file path=ppt/slides/slide20.xml><?xml version="1.0" encoding="utf-8"?>
+<file path=ppt/slides/slide21.xml><?xml version="1.0" encoding="utf-8"?>
 <p:sld xmlns:a="http://schemas.openxmlformats.org/drawingml/2006/main" xmlns:r="http://schemas.openxmlformats.org/officeDocument/2006/relationships" xmlns:p="http://schemas.openxmlformats.org/presentationml/2006/main">
   <p:cSld>
     <p:spTree>
@@ -8350,7 +8449,7 @@
 </p:sld>
 </file>
 
-<file path=ppt/slides/slide21.xml><?xml version="1.0" encoding="utf-8"?>
+<file path=ppt/slides/slide22.xml><?xml version="1.0" encoding="utf-8"?>
 <p:sld xmlns:a="http://schemas.openxmlformats.org/drawingml/2006/main" xmlns:r="http://schemas.openxmlformats.org/officeDocument/2006/relationships" xmlns:p="http://schemas.openxmlformats.org/presentationml/2006/main">
   <p:cSld>
     <p:spTree>
@@ -8479,7 +8578,7 @@
 </p:sld>
 </file>
 
-<file path=ppt/slides/slide22.xml><?xml version="1.0" encoding="utf-8"?>
+<file path=ppt/slides/slide23.xml><?xml version="1.0" encoding="utf-8"?>
 <p:sld xmlns:a="http://schemas.openxmlformats.org/drawingml/2006/main" xmlns:r="http://schemas.openxmlformats.org/officeDocument/2006/relationships" xmlns:p="http://schemas.openxmlformats.org/presentationml/2006/main">
   <p:cSld>
     <p:spTree>
@@ -8612,7 +8711,7 @@
 </p:sld>
 </file>
 
-<file path=ppt/slides/slide23.xml><?xml version="1.0" encoding="utf-8"?>
+<file path=ppt/slides/slide24.xml><?xml version="1.0" encoding="utf-8"?>
 <p:sld xmlns:a="http://schemas.openxmlformats.org/drawingml/2006/main" xmlns:r="http://schemas.openxmlformats.org/officeDocument/2006/relationships" xmlns:p="http://schemas.openxmlformats.org/presentationml/2006/main">
   <p:cSld>
     <p:spTree>
@@ -8729,7 +8828,7 @@
 </p:sld>
 </file>
 
-<file path=ppt/slides/slide24.xml><?xml version="1.0" encoding="utf-8"?>
+<file path=ppt/slides/slide25.xml><?xml version="1.0" encoding="utf-8"?>
 <p:sld xmlns:a="http://schemas.openxmlformats.org/drawingml/2006/main" xmlns:r="http://schemas.openxmlformats.org/officeDocument/2006/relationships" xmlns:p="http://schemas.openxmlformats.org/presentationml/2006/main">
   <p:cSld>
     <p:spTree>
@@ -8815,7 +8914,7 @@
 </p:sld>
 </file>
 
-<file path=ppt/slides/slide25.xml><?xml version="1.0" encoding="utf-8"?>
+<file path=ppt/slides/slide26.xml><?xml version="1.0" encoding="utf-8"?>
 <p:sld xmlns:a="http://schemas.openxmlformats.org/drawingml/2006/main" xmlns:r="http://schemas.openxmlformats.org/officeDocument/2006/relationships" xmlns:p="http://schemas.openxmlformats.org/presentationml/2006/main">
   <p:cSld>
     <p:bg>
@@ -9432,7 +9531,7 @@
           <p:cNvPr id="2" name="Title 1">
             <a:extLst>
               <a:ext uri="{FF2B5EF4-FFF2-40B4-BE49-F238E27FC236}">
-                <a16:creationId xmlns:a16="http://schemas.microsoft.com/office/drawing/2014/main" id="{505B796A-4BA5-4B88-90B0-B056C83D202B}"/>
+                <a16:creationId xmlns:a16="http://schemas.microsoft.com/office/drawing/2014/main" id="{EFCEF94B-EC64-B7B4-E9D2-745D2612BA71}"/>
               </a:ext>
             </a:extLst>
           </p:cNvPr>
@@ -9450,7 +9549,7 @@
           <a:p>
             <a:r>
               <a:rPr lang="en-US"/>
-              <a:t>User Stories</a:t>
+              <a:t>Relationship Schema Diagram</a:t>
             </a:r>
           </a:p>
         </p:txBody>
@@ -9460,7 +9559,7 @@
           <p:cNvPr id="3" name="Content Placeholder 2">
             <a:extLst>
               <a:ext uri="{FF2B5EF4-FFF2-40B4-BE49-F238E27FC236}">
-                <a16:creationId xmlns:a16="http://schemas.microsoft.com/office/drawing/2014/main" id="{A4848324-00F6-9C32-871B-01E4BB277E45}"/>
+                <a16:creationId xmlns:a16="http://schemas.microsoft.com/office/drawing/2014/main" id="{AF479BE8-69FE-8C06-11E2-DBE92AC753B3}"/>
               </a:ext>
             </a:extLst>
           </p:cNvPr>
@@ -9471,123 +9570,19 @@
             <p:ph idx="1"/>
           </p:nvPr>
         </p:nvSpPr>
-        <p:spPr>
-          <a:xfrm>
-            <a:off x="1088136" y="2267712"/>
-            <a:ext cx="9922764" cy="4018788"/>
-          </a:xfrm>
-        </p:spPr>
-        <p:txBody>
-          <a:bodyPr>
-            <a:normAutofit fontScale="62500" lnSpcReduction="20000"/>
-          </a:bodyPr>
+        <p:spPr/>
+        <p:txBody>
+          <a:bodyPr/>
           <a:lstStyle/>
           <a:p>
-            <a:pPr marL="342900" indent="-342900" algn="just">
-              <a:buFont typeface="+mj-lt"/>
-              <a:buAutoNum type="arabicPeriod"/>
-            </a:pPr>
-            <a:r>
-              <a:rPr lang="en-US"/>
-              <a:t>As a sports facility manager, I want to schedule games between teams at a facility. So, it prevents scheduling conflicts and ensures different home and away teams.</a:t>
-            </a:r>
-          </a:p>
-          <a:p>
-            <a:pPr marL="342900" indent="-342900" algn="just">
-              <a:buFont typeface="+mj-lt"/>
-              <a:buAutoNum type="arabicPeriod"/>
-            </a:pPr>
-            <a:r>
-              <a:rPr lang="en-US"/>
-              <a:t>As a coach, I want to schedule practices for my team so that we can prepare for upcoming games.</a:t>
-            </a:r>
-          </a:p>
-          <a:p>
-            <a:pPr marL="342900" indent="-342900" algn="just">
-              <a:buFont typeface="+mj-lt"/>
-              <a:buAutoNum type="arabicPeriod"/>
-            </a:pPr>
-            <a:r>
-              <a:rPr lang="en-US"/>
-              <a:t>As a sports admin, I want to update game details once the game is completed.</a:t>
-            </a:r>
-          </a:p>
-          <a:p>
-            <a:pPr marL="342900" indent="-342900" algn="just">
-              <a:buFont typeface="+mj-lt"/>
-              <a:buAutoNum type="arabicPeriod"/>
-            </a:pPr>
-            <a:r>
-              <a:rPr lang="en-US"/>
-              <a:t>As a parent of a player, I want to access the game schedule and results to keep track of my child's team performance and attend games.</a:t>
-            </a:r>
-          </a:p>
-          <a:p>
-            <a:pPr marL="342900" indent="-342900" algn="just">
-              <a:buFont typeface="+mj-lt"/>
-              <a:buAutoNum type="arabicPeriod"/>
-            </a:pPr>
-            <a:r>
-              <a:rPr lang="en-US"/>
-              <a:t>As a player, I want to view my practice and game schedules so that I know when and where I need to be for my team activities.</a:t>
-            </a:r>
-          </a:p>
-          <a:p>
-            <a:pPr marL="342900" indent="-342900" algn="just">
-              <a:buFont typeface="+mj-lt"/>
-              <a:buAutoNum type="arabicPeriod"/>
-            </a:pPr>
-            <a:r>
-              <a:rPr lang="en-US"/>
-              <a:t>As a university sports administrator, I want to view all teams associated with my university so that I can manage team activities and resources effectively.</a:t>
-            </a:r>
-          </a:p>
-          <a:p>
-            <a:pPr marL="342900" indent="-342900" algn="just">
-              <a:buFont typeface="+mj-lt"/>
-              <a:buAutoNum type="arabicPeriod"/>
-            </a:pPr>
-            <a:r>
-              <a:rPr lang="en-US"/>
-              <a:t>As a facilities manager at the university, I want to view all events scheduled in each facility so that I can manage space allocation and maintenance schedules.</a:t>
-            </a:r>
-          </a:p>
-          <a:p>
-            <a:pPr marL="342900" indent="-342900" algn="just">
-              <a:buFont typeface="+mj-lt"/>
-              <a:buAutoNum type="arabicPeriod"/>
-            </a:pPr>
-            <a:r>
-              <a:rPr lang="en-US"/>
-              <a:t>As a sports analyst, I want to retrieve data on games, including teams and scores, so that I can analyze team performance and trends over time.</a:t>
-            </a:r>
-          </a:p>
-          <a:p>
-            <a:pPr marL="342900" indent="-342900" algn="just">
-              <a:buFont typeface="+mj-lt"/>
-              <a:buAutoNum type="arabicPeriod"/>
-            </a:pPr>
-            <a:r>
-              <a:rPr lang="en-US"/>
-              <a:t>As a student, I want to find information about my university's sports teams, including rosters and schedules, so that I can follow and support them.</a:t>
-            </a:r>
-          </a:p>
-          <a:p>
-            <a:pPr marL="342900" indent="-342900" algn="just">
-              <a:buFont typeface="+mj-lt"/>
-              <a:buAutoNum type="arabicPeriod"/>
-            </a:pPr>
-            <a:r>
-              <a:rPr lang="en-US"/>
-              <a:t>As a health and fitness coach, I want to access players' practice and game records to evaluate their physical condition and performance and plan fitness programs accordingly.</a:t>
-            </a:r>
+            <a:endParaRPr lang="en-US"/>
           </a:p>
         </p:txBody>
       </p:sp>
     </p:spTree>
     <p:extLst>
       <p:ext uri="{BB962C8B-B14F-4D97-AF65-F5344CB8AC3E}">
-        <p14:creationId xmlns:p14="http://schemas.microsoft.com/office/powerpoint/2010/main" val="1252525746"/>
+        <p14:creationId xmlns:p14="http://schemas.microsoft.com/office/powerpoint/2010/main" val="4196608422"/>
       </p:ext>
     </p:extLst>
   </p:cSld>
@@ -9619,6 +9614,193 @@
           <p:cNvPr id="2" name="Title 1">
             <a:extLst>
               <a:ext uri="{FF2B5EF4-FFF2-40B4-BE49-F238E27FC236}">
+                <a16:creationId xmlns:a16="http://schemas.microsoft.com/office/drawing/2014/main" id="{505B796A-4BA5-4B88-90B0-B056C83D202B}"/>
+              </a:ext>
+            </a:extLst>
+          </p:cNvPr>
+          <p:cNvSpPr>
+            <a:spLocks noGrp="1"/>
+          </p:cNvSpPr>
+          <p:nvPr>
+            <p:ph type="title"/>
+          </p:nvPr>
+        </p:nvSpPr>
+        <p:spPr/>
+        <p:txBody>
+          <a:bodyPr/>
+          <a:lstStyle/>
+          <a:p>
+            <a:r>
+              <a:rPr lang="en-US"/>
+              <a:t>User Stories</a:t>
+            </a:r>
+          </a:p>
+        </p:txBody>
+      </p:sp>
+      <p:sp>
+        <p:nvSpPr>
+          <p:cNvPr id="3" name="Content Placeholder 2">
+            <a:extLst>
+              <a:ext uri="{FF2B5EF4-FFF2-40B4-BE49-F238E27FC236}">
+                <a16:creationId xmlns:a16="http://schemas.microsoft.com/office/drawing/2014/main" id="{A4848324-00F6-9C32-871B-01E4BB277E45}"/>
+              </a:ext>
+            </a:extLst>
+          </p:cNvPr>
+          <p:cNvSpPr>
+            <a:spLocks noGrp="1"/>
+          </p:cNvSpPr>
+          <p:nvPr>
+            <p:ph idx="1"/>
+          </p:nvPr>
+        </p:nvSpPr>
+        <p:spPr>
+          <a:xfrm>
+            <a:off x="1088136" y="2267712"/>
+            <a:ext cx="9922764" cy="4018788"/>
+          </a:xfrm>
+        </p:spPr>
+        <p:txBody>
+          <a:bodyPr>
+            <a:normAutofit fontScale="62500" lnSpcReduction="20000"/>
+          </a:bodyPr>
+          <a:lstStyle/>
+          <a:p>
+            <a:pPr marL="342900" indent="-342900" algn="just">
+              <a:buFont typeface="+mj-lt"/>
+              <a:buAutoNum type="arabicPeriod"/>
+            </a:pPr>
+            <a:r>
+              <a:rPr lang="en-US"/>
+              <a:t>As a sports facility manager, I want to schedule games between teams at a facility. So, it prevents scheduling conflicts and ensures different home and away teams.</a:t>
+            </a:r>
+          </a:p>
+          <a:p>
+            <a:pPr marL="342900" indent="-342900" algn="just">
+              <a:buFont typeface="+mj-lt"/>
+              <a:buAutoNum type="arabicPeriod"/>
+            </a:pPr>
+            <a:r>
+              <a:rPr lang="en-US"/>
+              <a:t>As a coach, I want to schedule practices for my team so that we can prepare for upcoming games.</a:t>
+            </a:r>
+          </a:p>
+          <a:p>
+            <a:pPr marL="342900" indent="-342900" algn="just">
+              <a:buFont typeface="+mj-lt"/>
+              <a:buAutoNum type="arabicPeriod"/>
+            </a:pPr>
+            <a:r>
+              <a:rPr lang="en-US"/>
+              <a:t>As a sports admin, I want to update game details once the game is completed.</a:t>
+            </a:r>
+          </a:p>
+          <a:p>
+            <a:pPr marL="342900" indent="-342900" algn="just">
+              <a:buFont typeface="+mj-lt"/>
+              <a:buAutoNum type="arabicPeriod"/>
+            </a:pPr>
+            <a:r>
+              <a:rPr lang="en-US"/>
+              <a:t>As a parent of a player, I want to access the game schedule and results to keep track of my child's team performance and attend games.</a:t>
+            </a:r>
+          </a:p>
+          <a:p>
+            <a:pPr marL="342900" indent="-342900" algn="just">
+              <a:buFont typeface="+mj-lt"/>
+              <a:buAutoNum type="arabicPeriod"/>
+            </a:pPr>
+            <a:r>
+              <a:rPr lang="en-US"/>
+              <a:t>As a player, I want to view my practice and game schedules so that I know when and where I need to be for my team activities.</a:t>
+            </a:r>
+          </a:p>
+          <a:p>
+            <a:pPr marL="342900" indent="-342900" algn="just">
+              <a:buFont typeface="+mj-lt"/>
+              <a:buAutoNum type="arabicPeriod"/>
+            </a:pPr>
+            <a:r>
+              <a:rPr lang="en-US"/>
+              <a:t>As a university sports administrator, I want to view all teams associated with my university so that I can manage team activities and resources effectively.</a:t>
+            </a:r>
+          </a:p>
+          <a:p>
+            <a:pPr marL="342900" indent="-342900" algn="just">
+              <a:buFont typeface="+mj-lt"/>
+              <a:buAutoNum type="arabicPeriod"/>
+            </a:pPr>
+            <a:r>
+              <a:rPr lang="en-US"/>
+              <a:t>As a facilities manager at the university, I want to view all events scheduled in each facility so that I can manage space allocation and maintenance schedules.</a:t>
+            </a:r>
+          </a:p>
+          <a:p>
+            <a:pPr marL="342900" indent="-342900" algn="just">
+              <a:buFont typeface="+mj-lt"/>
+              <a:buAutoNum type="arabicPeriod"/>
+            </a:pPr>
+            <a:r>
+              <a:rPr lang="en-US"/>
+              <a:t>As a sports analyst, I want to retrieve data on games, including teams and scores, so that I can analyze team performance and trends over time.</a:t>
+            </a:r>
+          </a:p>
+          <a:p>
+            <a:pPr marL="342900" indent="-342900" algn="just">
+              <a:buFont typeface="+mj-lt"/>
+              <a:buAutoNum type="arabicPeriod"/>
+            </a:pPr>
+            <a:r>
+              <a:rPr lang="en-US"/>
+              <a:t>As a student, I want to find information about my university's sports teams, including rosters and schedules, so that I can follow and support them.</a:t>
+            </a:r>
+          </a:p>
+          <a:p>
+            <a:pPr marL="342900" indent="-342900" algn="just">
+              <a:buFont typeface="+mj-lt"/>
+              <a:buAutoNum type="arabicPeriod"/>
+            </a:pPr>
+            <a:r>
+              <a:rPr lang="en-US"/>
+              <a:t>As a health and fitness coach, I want to access players' practice and game records to evaluate their physical condition and performance and plan fitness programs accordingly.</a:t>
+            </a:r>
+          </a:p>
+        </p:txBody>
+      </p:sp>
+    </p:spTree>
+    <p:extLst>
+      <p:ext uri="{BB962C8B-B14F-4D97-AF65-F5344CB8AC3E}">
+        <p14:creationId xmlns:p14="http://schemas.microsoft.com/office/powerpoint/2010/main" val="1252525746"/>
+      </p:ext>
+    </p:extLst>
+  </p:cSld>
+  <p:clrMapOvr>
+    <a:masterClrMapping/>
+  </p:clrMapOvr>
+</p:sld>
+</file>
+
+<file path=ppt/slides/slide8.xml><?xml version="1.0" encoding="utf-8"?>
+<p:sld xmlns:a="http://schemas.openxmlformats.org/drawingml/2006/main" xmlns:r="http://schemas.openxmlformats.org/officeDocument/2006/relationships" xmlns:p="http://schemas.openxmlformats.org/presentationml/2006/main">
+  <p:cSld>
+    <p:spTree>
+      <p:nvGrpSpPr>
+        <p:cNvPr id="1" name=""/>
+        <p:cNvGrpSpPr/>
+        <p:nvPr/>
+      </p:nvGrpSpPr>
+      <p:grpSpPr>
+        <a:xfrm>
+          <a:off x="0" y="0"/>
+          <a:ext cx="0" cy="0"/>
+          <a:chOff x="0" y="0"/>
+          <a:chExt cx="0" cy="0"/>
+        </a:xfrm>
+      </p:grpSpPr>
+      <p:sp>
+        <p:nvSpPr>
+          <p:cNvPr id="2" name="Title 1">
+            <a:extLst>
+              <a:ext uri="{FF2B5EF4-FFF2-40B4-BE49-F238E27FC236}">
                 <a16:creationId xmlns:a16="http://schemas.microsoft.com/office/drawing/2014/main" id="{32A65BA1-6272-6ACB-0CFF-B28A4329FDA7}"/>
               </a:ext>
             </a:extLst>
@@ -9746,7 +9928,7 @@
 </p:sld>
 </file>
 
-<file path=ppt/slides/slide8.xml><?xml version="1.0" encoding="utf-8"?>
+<file path=ppt/slides/slide9.xml><?xml version="1.0" encoding="utf-8"?>
 <p:sld xmlns:a="http://schemas.openxmlformats.org/drawingml/2006/main" xmlns:r="http://schemas.openxmlformats.org/officeDocument/2006/relationships" xmlns:p="http://schemas.openxmlformats.org/presentationml/2006/main">
   <p:cSld>
     <p:spTree>
@@ -10479,104 +10661,6 @@
     <p:extLst>
       <p:ext uri="{BB962C8B-B14F-4D97-AF65-F5344CB8AC3E}">
         <p14:creationId xmlns:p14="http://schemas.microsoft.com/office/powerpoint/2010/main" val="2015660396"/>
-      </p:ext>
-    </p:extLst>
-  </p:cSld>
-  <p:clrMapOvr>
-    <a:masterClrMapping/>
-  </p:clrMapOvr>
-</p:sld>
-</file>
-
-<file path=ppt/slides/slide9.xml><?xml version="1.0" encoding="utf-8"?>
-<p:sld xmlns:a="http://schemas.openxmlformats.org/drawingml/2006/main" xmlns:r="http://schemas.openxmlformats.org/officeDocument/2006/relationships" xmlns:p="http://schemas.openxmlformats.org/presentationml/2006/main">
-  <p:cSld>
-    <p:bg>
-      <p:bgPr>
-        <a:solidFill>
-          <a:schemeClr val="bg1"/>
-        </a:solidFill>
-        <a:effectLst/>
-      </p:bgPr>
-    </p:bg>
-    <p:spTree>
-      <p:nvGrpSpPr>
-        <p:cNvPr id="1" name=""/>
-        <p:cNvGrpSpPr/>
-        <p:nvPr/>
-      </p:nvGrpSpPr>
-      <p:grpSpPr>
-        <a:xfrm>
-          <a:off x="0" y="0"/>
-          <a:ext cx="0" cy="0"/>
-          <a:chOff x="0" y="0"/>
-          <a:chExt cx="0" cy="0"/>
-        </a:xfrm>
-      </p:grpSpPr>
-      <p:pic>
-        <p:nvPicPr>
-          <p:cNvPr id="7" name="Picture 6">
-            <a:extLst>
-              <a:ext uri="{FF2B5EF4-FFF2-40B4-BE49-F238E27FC236}">
-                <a16:creationId xmlns:a16="http://schemas.microsoft.com/office/drawing/2014/main" id="{69AC98D8-85EF-C6CB-4BA4-18B85F868093}"/>
-              </a:ext>
-            </a:extLst>
-          </p:cNvPr>
-          <p:cNvPicPr>
-            <a:picLocks noChangeAspect="1"/>
-          </p:cNvPicPr>
-          <p:nvPr/>
-        </p:nvPicPr>
-        <p:blipFill>
-          <a:blip r:embed="rId2"/>
-          <a:stretch>
-            <a:fillRect/>
-          </a:stretch>
-        </p:blipFill>
-        <p:spPr>
-          <a:xfrm>
-            <a:off x="6753918" y="841807"/>
-            <a:ext cx="4480140" cy="5875596"/>
-          </a:xfrm>
-          <a:prstGeom prst="rect">
-            <a:avLst/>
-          </a:prstGeom>
-        </p:spPr>
-      </p:pic>
-      <p:pic>
-        <p:nvPicPr>
-          <p:cNvPr id="5" name="Picture 4">
-            <a:extLst>
-              <a:ext uri="{FF2B5EF4-FFF2-40B4-BE49-F238E27FC236}">
-                <a16:creationId xmlns:a16="http://schemas.microsoft.com/office/drawing/2014/main" id="{3136FC8C-3E7B-C343-8784-2598B75004C6}"/>
-              </a:ext>
-            </a:extLst>
-          </p:cNvPr>
-          <p:cNvPicPr>
-            <a:picLocks noChangeAspect="1"/>
-          </p:cNvPicPr>
-          <p:nvPr/>
-        </p:nvPicPr>
-        <p:blipFill>
-          <a:blip r:embed="rId3"/>
-          <a:stretch>
-            <a:fillRect/>
-          </a:stretch>
-        </p:blipFill>
-        <p:spPr>
-          <a:xfrm>
-            <a:off x="1296091" y="841807"/>
-            <a:ext cx="4799909" cy="5871448"/>
-          </a:xfrm>
-          <a:prstGeom prst="rect">
-            <a:avLst/>
-          </a:prstGeom>
-        </p:spPr>
-      </p:pic>
-    </p:spTree>
-    <p:extLst>
-      <p:ext uri="{BB962C8B-B14F-4D97-AF65-F5344CB8AC3E}">
-        <p14:creationId xmlns:p14="http://schemas.microsoft.com/office/powerpoint/2010/main" val="1371610303"/>
       </p:ext>
     </p:extLst>
   </p:cSld>
